--- a/project_docs/design.pptx
+++ b/project_docs/design.pptx
@@ -7,10 +7,10 @@
   <p:sldIdLst>
     <p:sldId id="256" r:id="rId2"/>
     <p:sldId id="263" r:id="rId3"/>
-    <p:sldId id="262" r:id="rId4"/>
-    <p:sldId id="257" r:id="rId5"/>
-    <p:sldId id="258" r:id="rId6"/>
-    <p:sldId id="259" r:id="rId7"/>
+    <p:sldId id="259" r:id="rId4"/>
+    <p:sldId id="262" r:id="rId5"/>
+    <p:sldId id="257" r:id="rId6"/>
+    <p:sldId id="258" r:id="rId7"/>
     <p:sldId id="260" r:id="rId8"/>
     <p:sldId id="261" r:id="rId9"/>
   </p:sldIdLst>
@@ -343,7 +343,7 @@
           <a:p>
             <a:fld id="{045DBDDA-9FCE-4852-A75A-9BB337F65E79}" type="datetimeFigureOut">
               <a:rPr lang="en-US" smtClean="0"/>
-              <a:t>10/18/2020</a:t>
+              <a:t>10/19/2020</a:t>
             </a:fld>
             <a:endParaRPr lang="en-US"/>
           </a:p>
@@ -513,7 +513,7 @@
           <a:p>
             <a:fld id="{045DBDDA-9FCE-4852-A75A-9BB337F65E79}" type="datetimeFigureOut">
               <a:rPr lang="en-US" smtClean="0"/>
-              <a:t>10/18/2020</a:t>
+              <a:t>10/19/2020</a:t>
             </a:fld>
             <a:endParaRPr lang="en-US"/>
           </a:p>
@@ -693,7 +693,7 @@
           <a:p>
             <a:fld id="{045DBDDA-9FCE-4852-A75A-9BB337F65E79}" type="datetimeFigureOut">
               <a:rPr lang="en-US" smtClean="0"/>
-              <a:t>10/18/2020</a:t>
+              <a:t>10/19/2020</a:t>
             </a:fld>
             <a:endParaRPr lang="en-US"/>
           </a:p>
@@ -863,7 +863,7 @@
           <a:p>
             <a:fld id="{045DBDDA-9FCE-4852-A75A-9BB337F65E79}" type="datetimeFigureOut">
               <a:rPr lang="en-US" smtClean="0"/>
-              <a:t>10/18/2020</a:t>
+              <a:t>10/19/2020</a:t>
             </a:fld>
             <a:endParaRPr lang="en-US"/>
           </a:p>
@@ -1121,7 +1121,7 @@
           <a:p>
             <a:fld id="{045DBDDA-9FCE-4852-A75A-9BB337F65E79}" type="datetimeFigureOut">
               <a:rPr lang="en-US" smtClean="0"/>
-              <a:t>10/18/2020</a:t>
+              <a:t>10/19/2020</a:t>
             </a:fld>
             <a:endParaRPr lang="en-US"/>
           </a:p>
@@ -1409,7 +1409,7 @@
           <a:p>
             <a:fld id="{045DBDDA-9FCE-4852-A75A-9BB337F65E79}" type="datetimeFigureOut">
               <a:rPr lang="en-US" smtClean="0"/>
-              <a:t>10/18/2020</a:t>
+              <a:t>10/19/2020</a:t>
             </a:fld>
             <a:endParaRPr lang="en-US"/>
           </a:p>
@@ -1851,7 +1851,7 @@
           <a:p>
             <a:fld id="{045DBDDA-9FCE-4852-A75A-9BB337F65E79}" type="datetimeFigureOut">
               <a:rPr lang="en-US" smtClean="0"/>
-              <a:t>10/18/2020</a:t>
+              <a:t>10/19/2020</a:t>
             </a:fld>
             <a:endParaRPr lang="en-US"/>
           </a:p>
@@ -1969,7 +1969,7 @@
           <a:p>
             <a:fld id="{045DBDDA-9FCE-4852-A75A-9BB337F65E79}" type="datetimeFigureOut">
               <a:rPr lang="en-US" smtClean="0"/>
-              <a:t>10/18/2020</a:t>
+              <a:t>10/19/2020</a:t>
             </a:fld>
             <a:endParaRPr lang="en-US"/>
           </a:p>
@@ -2064,7 +2064,7 @@
           <a:p>
             <a:fld id="{045DBDDA-9FCE-4852-A75A-9BB337F65E79}" type="datetimeFigureOut">
               <a:rPr lang="en-US" smtClean="0"/>
-              <a:t>10/18/2020</a:t>
+              <a:t>10/19/2020</a:t>
             </a:fld>
             <a:endParaRPr lang="en-US"/>
           </a:p>
@@ -2352,7 +2352,7 @@
           <a:p>
             <a:fld id="{045DBDDA-9FCE-4852-A75A-9BB337F65E79}" type="datetimeFigureOut">
               <a:rPr lang="en-US" smtClean="0"/>
-              <a:t>10/18/2020</a:t>
+              <a:t>10/19/2020</a:t>
             </a:fld>
             <a:endParaRPr lang="en-US"/>
           </a:p>
@@ -2625,7 +2625,7 @@
           <a:p>
             <a:fld id="{045DBDDA-9FCE-4852-A75A-9BB337F65E79}" type="datetimeFigureOut">
               <a:rPr lang="en-US" smtClean="0"/>
-              <a:t>10/18/2020</a:t>
+              <a:t>10/19/2020</a:t>
             </a:fld>
             <a:endParaRPr lang="en-US"/>
           </a:p>
@@ -2922,7 +2922,7 @@
           <a:p>
             <a:fld id="{045DBDDA-9FCE-4852-A75A-9BB337F65E79}" type="datetimeFigureOut">
               <a:rPr lang="en-US" smtClean="0"/>
-              <a:t>10/18/2020</a:t>
+              <a:t>10/19/2020</a:t>
             </a:fld>
             <a:endParaRPr lang="en-US"/>
           </a:p>
@@ -3547,6 +3547,12 @@
           <a:p>
             <a:r>
               <a:rPr lang="en-US" dirty="0"/>
+              <a:t>Optimizer Progress</a:t>
+            </a:r>
+          </a:p>
+          <a:p>
+            <a:r>
+              <a:rPr lang="en-US" dirty="0"/>
               <a:t>Overview of Code Structure</a:t>
             </a:r>
           </a:p>
@@ -3560,12 +3566,6 @@
             <a:r>
               <a:rPr lang="en-US" dirty="0"/>
               <a:t>Sequence Diagram</a:t>
-            </a:r>
-          </a:p>
-          <a:p>
-            <a:r>
-              <a:rPr lang="en-US" dirty="0"/>
-              <a:t>Optimizer Progress</a:t>
             </a:r>
           </a:p>
           <a:p>
@@ -3611,6 +3611,133 @@
           <p:cNvPr id="2" name="Title 1">
             <a:extLst>
               <a:ext uri="{FF2B5EF4-FFF2-40B4-BE49-F238E27FC236}">
+                <a16:creationId xmlns:a16="http://schemas.microsoft.com/office/drawing/2014/main" id="{8310B0F9-E6BB-4FCE-BE7F-91C32E82F103}"/>
+              </a:ext>
+            </a:extLst>
+          </p:cNvPr>
+          <p:cNvSpPr>
+            <a:spLocks noGrp="1"/>
+          </p:cNvSpPr>
+          <p:nvPr>
+            <p:ph type="title"/>
+          </p:nvPr>
+        </p:nvSpPr>
+        <p:spPr/>
+        <p:txBody>
+          <a:bodyPr/>
+          <a:lstStyle/>
+          <a:p>
+            <a:r>
+              <a:rPr lang="en-US" dirty="0"/>
+              <a:t>Optimizer Progress</a:t>
+            </a:r>
+          </a:p>
+        </p:txBody>
+      </p:sp>
+      <p:sp>
+        <p:nvSpPr>
+          <p:cNvPr id="3" name="Content Placeholder 2">
+            <a:extLst>
+              <a:ext uri="{FF2B5EF4-FFF2-40B4-BE49-F238E27FC236}">
+                <a16:creationId xmlns:a16="http://schemas.microsoft.com/office/drawing/2014/main" id="{90473F1E-2340-45AE-8B60-17D5487C7476}"/>
+              </a:ext>
+            </a:extLst>
+          </p:cNvPr>
+          <p:cNvSpPr>
+            <a:spLocks noGrp="1"/>
+          </p:cNvSpPr>
+          <p:nvPr>
+            <p:ph idx="1"/>
+          </p:nvPr>
+        </p:nvSpPr>
+        <p:spPr/>
+        <p:txBody>
+          <a:bodyPr/>
+          <a:lstStyle/>
+          <a:p>
+            <a:r>
+              <a:rPr lang="en-US" dirty="0"/>
+              <a:t>Completed Tasks</a:t>
+            </a:r>
+          </a:p>
+          <a:p>
+            <a:pPr lvl="1"/>
+            <a:r>
+              <a:rPr lang="en-US" dirty="0"/>
+              <a:t>Tokenizer is complete</a:t>
+            </a:r>
+          </a:p>
+          <a:p>
+            <a:pPr lvl="1"/>
+            <a:r>
+              <a:rPr lang="en-US" dirty="0"/>
+              <a:t>Parser can parse basic unit declarations</a:t>
+            </a:r>
+          </a:p>
+          <a:p>
+            <a:r>
+              <a:rPr lang="en-US" dirty="0"/>
+              <a:t>To Do</a:t>
+            </a:r>
+          </a:p>
+          <a:p>
+            <a:pPr lvl="1"/>
+            <a:r>
+              <a:rPr lang="en-US" dirty="0"/>
+              <a:t>Finish parser implementation</a:t>
+            </a:r>
+          </a:p>
+          <a:p>
+            <a:pPr lvl="1"/>
+            <a:r>
+              <a:rPr lang="en-US" dirty="0"/>
+              <a:t>Implement solver</a:t>
+            </a:r>
+          </a:p>
+          <a:p>
+            <a:pPr lvl="1"/>
+            <a:r>
+              <a:rPr lang="en-US" dirty="0"/>
+              <a:t>Begin testing tokenizer, parser, and solver</a:t>
+            </a:r>
+          </a:p>
+        </p:txBody>
+      </p:sp>
+    </p:spTree>
+    <p:extLst>
+      <p:ext uri="{BB962C8B-B14F-4D97-AF65-F5344CB8AC3E}">
+        <p14:creationId xmlns:p14="http://schemas.microsoft.com/office/powerpoint/2010/main" val="374290727"/>
+      </p:ext>
+    </p:extLst>
+  </p:cSld>
+  <p:clrMapOvr>
+    <a:masterClrMapping/>
+  </p:clrMapOvr>
+</p:sld>
+</file>
+
+<file path=ppt/slides/slide4.xml><?xml version="1.0" encoding="utf-8"?>
+<p:sld xmlns:a="http://schemas.openxmlformats.org/drawingml/2006/main" xmlns:r="http://schemas.openxmlformats.org/officeDocument/2006/relationships" xmlns:p="http://schemas.openxmlformats.org/presentationml/2006/main">
+  <p:cSld>
+    <p:spTree>
+      <p:nvGrpSpPr>
+        <p:cNvPr id="1" name=""/>
+        <p:cNvGrpSpPr/>
+        <p:nvPr/>
+      </p:nvGrpSpPr>
+      <p:grpSpPr>
+        <a:xfrm>
+          <a:off x="0" y="0"/>
+          <a:ext cx="0" cy="0"/>
+          <a:chOff x="0" y="0"/>
+          <a:chExt cx="0" cy="0"/>
+        </a:xfrm>
+      </p:grpSpPr>
+      <p:sp>
+        <p:nvSpPr>
+          <p:cNvPr id="2" name="Title 1">
+            <a:extLst>
+              <a:ext uri="{FF2B5EF4-FFF2-40B4-BE49-F238E27FC236}">
                 <a16:creationId xmlns:a16="http://schemas.microsoft.com/office/drawing/2014/main" id="{8E536392-2315-422F-B344-A228DE3E5CB8}"/>
               </a:ext>
             </a:extLst>
@@ -3702,7 +3829,7 @@
 </p:sld>
 </file>
 
-<file path=ppt/slides/slide4.xml><?xml version="1.0" encoding="utf-8"?>
+<file path=ppt/slides/slide5.xml><?xml version="1.0" encoding="utf-8"?>
 <p:sld xmlns:a="http://schemas.openxmlformats.org/drawingml/2006/main" xmlns:r="http://schemas.openxmlformats.org/officeDocument/2006/relationships" xmlns:p="http://schemas.openxmlformats.org/presentationml/2006/main">
   <p:cSld>
     <p:spTree>
@@ -3792,7 +3919,7 @@
 </p:sld>
 </file>
 
-<file path=ppt/slides/slide5.xml><?xml version="1.0" encoding="utf-8"?>
+<file path=ppt/slides/slide6.xml><?xml version="1.0" encoding="utf-8"?>
 <p:sld xmlns:a="http://schemas.openxmlformats.org/drawingml/2006/main" xmlns:r="http://schemas.openxmlformats.org/officeDocument/2006/relationships" xmlns:p="http://schemas.openxmlformats.org/presentationml/2006/main">
   <p:cSld>
     <p:spTree>
@@ -3871,133 +3998,6 @@
     <p:extLst>
       <p:ext uri="{BB962C8B-B14F-4D97-AF65-F5344CB8AC3E}">
         <p14:creationId xmlns:p14="http://schemas.microsoft.com/office/powerpoint/2010/main" val="712860127"/>
-      </p:ext>
-    </p:extLst>
-  </p:cSld>
-  <p:clrMapOvr>
-    <a:masterClrMapping/>
-  </p:clrMapOvr>
-</p:sld>
-</file>
-
-<file path=ppt/slides/slide6.xml><?xml version="1.0" encoding="utf-8"?>
-<p:sld xmlns:a="http://schemas.openxmlformats.org/drawingml/2006/main" xmlns:r="http://schemas.openxmlformats.org/officeDocument/2006/relationships" xmlns:p="http://schemas.openxmlformats.org/presentationml/2006/main">
-  <p:cSld>
-    <p:spTree>
-      <p:nvGrpSpPr>
-        <p:cNvPr id="1" name=""/>
-        <p:cNvGrpSpPr/>
-        <p:nvPr/>
-      </p:nvGrpSpPr>
-      <p:grpSpPr>
-        <a:xfrm>
-          <a:off x="0" y="0"/>
-          <a:ext cx="0" cy="0"/>
-          <a:chOff x="0" y="0"/>
-          <a:chExt cx="0" cy="0"/>
-        </a:xfrm>
-      </p:grpSpPr>
-      <p:sp>
-        <p:nvSpPr>
-          <p:cNvPr id="2" name="Title 1">
-            <a:extLst>
-              <a:ext uri="{FF2B5EF4-FFF2-40B4-BE49-F238E27FC236}">
-                <a16:creationId xmlns:a16="http://schemas.microsoft.com/office/drawing/2014/main" id="{8310B0F9-E6BB-4FCE-BE7F-91C32E82F103}"/>
-              </a:ext>
-            </a:extLst>
-          </p:cNvPr>
-          <p:cNvSpPr>
-            <a:spLocks noGrp="1"/>
-          </p:cNvSpPr>
-          <p:nvPr>
-            <p:ph type="title"/>
-          </p:nvPr>
-        </p:nvSpPr>
-        <p:spPr/>
-        <p:txBody>
-          <a:bodyPr/>
-          <a:lstStyle/>
-          <a:p>
-            <a:r>
-              <a:rPr lang="en-US" dirty="0"/>
-              <a:t>Optimizer Progress</a:t>
-            </a:r>
-          </a:p>
-        </p:txBody>
-      </p:sp>
-      <p:sp>
-        <p:nvSpPr>
-          <p:cNvPr id="3" name="Content Placeholder 2">
-            <a:extLst>
-              <a:ext uri="{FF2B5EF4-FFF2-40B4-BE49-F238E27FC236}">
-                <a16:creationId xmlns:a16="http://schemas.microsoft.com/office/drawing/2014/main" id="{90473F1E-2340-45AE-8B60-17D5487C7476}"/>
-              </a:ext>
-            </a:extLst>
-          </p:cNvPr>
-          <p:cNvSpPr>
-            <a:spLocks noGrp="1"/>
-          </p:cNvSpPr>
-          <p:nvPr>
-            <p:ph idx="1"/>
-          </p:nvPr>
-        </p:nvSpPr>
-        <p:spPr/>
-        <p:txBody>
-          <a:bodyPr/>
-          <a:lstStyle/>
-          <a:p>
-            <a:r>
-              <a:rPr lang="en-US" dirty="0"/>
-              <a:t>Completed Tasks</a:t>
-            </a:r>
-          </a:p>
-          <a:p>
-            <a:pPr lvl="1"/>
-            <a:r>
-              <a:rPr lang="en-US" dirty="0"/>
-              <a:t>Tokenizer is complete</a:t>
-            </a:r>
-          </a:p>
-          <a:p>
-            <a:pPr lvl="1"/>
-            <a:r>
-              <a:rPr lang="en-US" dirty="0"/>
-              <a:t>Parser can parse basic unit declarations</a:t>
-            </a:r>
-          </a:p>
-          <a:p>
-            <a:r>
-              <a:rPr lang="en-US" dirty="0"/>
-              <a:t>To Do</a:t>
-            </a:r>
-          </a:p>
-          <a:p>
-            <a:pPr lvl="1"/>
-            <a:r>
-              <a:rPr lang="en-US" dirty="0"/>
-              <a:t>Finish parser implementation</a:t>
-            </a:r>
-          </a:p>
-          <a:p>
-            <a:pPr lvl="1"/>
-            <a:r>
-              <a:rPr lang="en-US" dirty="0"/>
-              <a:t>Implement solver</a:t>
-            </a:r>
-          </a:p>
-          <a:p>
-            <a:pPr lvl="1"/>
-            <a:r>
-              <a:rPr lang="en-US" dirty="0"/>
-              <a:t>Begin testing tokenizer, parser, and solver</a:t>
-            </a:r>
-          </a:p>
-        </p:txBody>
-      </p:sp>
-    </p:spTree>
-    <p:extLst>
-      <p:ext uri="{BB962C8B-B14F-4D97-AF65-F5344CB8AC3E}">
-        <p14:creationId xmlns:p14="http://schemas.microsoft.com/office/powerpoint/2010/main" val="374290727"/>
       </p:ext>
     </p:extLst>
   </p:cSld>
